--- a/ppt.pptx
+++ b/ppt.pptx
@@ -6,12 +6,13 @@
   </p:sldMasterIdLst>
   <p:sldIdLst>
     <p:sldId id="256" r:id="rId2"/>
-    <p:sldId id="263" r:id="rId3"/>
-    <p:sldId id="259" r:id="rId4"/>
-    <p:sldId id="264" r:id="rId5"/>
-    <p:sldId id="260" r:id="rId6"/>
-    <p:sldId id="265" r:id="rId7"/>
-    <p:sldId id="262" r:id="rId8"/>
+    <p:sldId id="266" r:id="rId3"/>
+    <p:sldId id="263" r:id="rId4"/>
+    <p:sldId id="259" r:id="rId5"/>
+    <p:sldId id="264" r:id="rId6"/>
+    <p:sldId id="260" r:id="rId7"/>
+    <p:sldId id="265" r:id="rId8"/>
+    <p:sldId id="262" r:id="rId9"/>
   </p:sldIdLst>
   <p:sldSz cx="12192000" cy="6858000"/>
   <p:notesSz cx="6858000" cy="9144000"/>
@@ -3425,7 +3426,7 @@
           <p:cNvPr id="2" name="标题 1">
             <a:extLst>
               <a:ext uri="{FF2B5EF4-FFF2-40B4-BE49-F238E27FC236}">
-                <a16:creationId xmlns:a16="http://schemas.microsoft.com/office/drawing/2014/main" id="{18BA10E4-57A4-4513-85A5-503A9B64074F}"/>
+                <a16:creationId xmlns:a16="http://schemas.microsoft.com/office/drawing/2014/main" id="{D58905A1-D712-426B-BB31-D69C5E103CF0}"/>
               </a:ext>
             </a:extLst>
           </p:cNvPr>
@@ -3441,77 +3442,85 @@
           <a:bodyPr/>
           <a:lstStyle/>
           <a:p>
-            <a:r>
-              <a:rPr lang="en-US" altLang="zh-CN" dirty="0"/>
-              <a:t>AOF</a:t>
-            </a:r>
             <a:endParaRPr lang="zh-CN" altLang="en-US" dirty="0"/>
           </a:p>
         </p:txBody>
       </p:sp>
-      <p:sp>
-        <p:nvSpPr>
-          <p:cNvPr id="3" name="内容占位符 2">
-            <a:extLst>
-              <a:ext uri="{FF2B5EF4-FFF2-40B4-BE49-F238E27FC236}">
-                <a16:creationId xmlns:a16="http://schemas.microsoft.com/office/drawing/2014/main" id="{69990199-DF7A-41B1-B98F-50C98581BCA8}"/>
-              </a:ext>
-            </a:extLst>
-          </p:cNvPr>
-          <p:cNvSpPr>
-            <a:spLocks noGrp="1"/>
-          </p:cNvSpPr>
+      <p:pic>
+        <p:nvPicPr>
+          <p:cNvPr id="5" name="内容占位符 4">
+            <a:extLst>
+              <a:ext uri="{FF2B5EF4-FFF2-40B4-BE49-F238E27FC236}">
+                <a16:creationId xmlns:a16="http://schemas.microsoft.com/office/drawing/2014/main" id="{0FDDEF58-D20D-4D88-AA64-BEC05F6A6059}"/>
+              </a:ext>
+            </a:extLst>
+          </p:cNvPr>
+          <p:cNvPicPr>
+            <a:picLocks noGrp="1" noChangeAspect="1"/>
+          </p:cNvPicPr>
           <p:nvPr>
             <p:ph idx="1"/>
           </p:nvPr>
-        </p:nvSpPr>
-        <p:spPr/>
-        <p:txBody>
-          <a:bodyPr/>
-          <a:lstStyle/>
-          <a:p>
-            <a:r>
-              <a:rPr lang="zh-CN" altLang="en-US" dirty="0"/>
-              <a:t>将每条指令写入</a:t>
-            </a:r>
-            <a:r>
-              <a:rPr lang="en-US" altLang="zh-CN" dirty="0"/>
-              <a:t>log.txt</a:t>
-            </a:r>
-            <a:r>
-              <a:rPr lang="zh-CN" altLang="en-US" dirty="0"/>
-              <a:t>（仅主节点）</a:t>
-            </a:r>
-            <a:endParaRPr lang="en-US" altLang="zh-CN" dirty="0"/>
-          </a:p>
-          <a:p>
-            <a:r>
-              <a:rPr lang="zh-CN" altLang="en-US" dirty="0"/>
-              <a:t>启动</a:t>
-            </a:r>
-            <a:r>
-              <a:rPr lang="en-US" altLang="zh-CN" dirty="0"/>
-              <a:t>server</a:t>
-            </a:r>
-            <a:r>
-              <a:rPr lang="zh-CN" altLang="en-US" dirty="0"/>
-              <a:t>时从</a:t>
-            </a:r>
-            <a:r>
-              <a:rPr lang="en-US" altLang="zh-CN" dirty="0"/>
-              <a:t>log.txt</a:t>
-            </a:r>
-            <a:r>
-              <a:rPr lang="zh-CN" altLang="en-US" dirty="0"/>
-              <a:t>读取指令进行恢复</a:t>
-            </a:r>
-          </a:p>
-        </p:txBody>
-      </p:sp>
+        </p:nvPicPr>
+        <p:blipFill>
+          <a:blip r:embed="rId2">
+            <a:extLst>
+              <a:ext uri="{28A0092B-C50C-407E-A947-70E740481C1C}">
+                <a14:useLocalDpi xmlns:a14="http://schemas.microsoft.com/office/drawing/2010/main" val="0"/>
+              </a:ext>
+            </a:extLst>
+          </a:blip>
+          <a:stretch>
+            <a:fillRect/>
+          </a:stretch>
+        </p:blipFill>
+        <p:spPr>
+          <a:xfrm>
+            <a:off x="5562600" y="1252579"/>
+            <a:ext cx="6364705" cy="1397961"/>
+          </a:xfrm>
+        </p:spPr>
+      </p:pic>
+      <p:pic>
+        <p:nvPicPr>
+          <p:cNvPr id="4" name="图片 3">
+            <a:extLst>
+              <a:ext uri="{FF2B5EF4-FFF2-40B4-BE49-F238E27FC236}">
+                <a16:creationId xmlns:a16="http://schemas.microsoft.com/office/drawing/2014/main" id="{A383BA9B-CE27-44E6-B728-A82FFD435457}"/>
+              </a:ext>
+            </a:extLst>
+          </p:cNvPr>
+          <p:cNvPicPr>
+            <a:picLocks noChangeAspect="1"/>
+          </p:cNvPicPr>
+          <p:nvPr/>
+        </p:nvPicPr>
+        <p:blipFill>
+          <a:blip r:embed="rId3">
+            <a:extLst>
+              <a:ext uri="{28A0092B-C50C-407E-A947-70E740481C1C}">
+                <a14:useLocalDpi xmlns:a14="http://schemas.microsoft.com/office/drawing/2010/main" val="0"/>
+              </a:ext>
+            </a:extLst>
+          </a:blip>
+          <a:stretch>
+            <a:fillRect/>
+          </a:stretch>
+        </p:blipFill>
+        <p:spPr>
+          <a:xfrm>
+            <a:off x="838200" y="1324977"/>
+            <a:ext cx="4724400" cy="4400550"/>
+          </a:xfrm>
+          <a:prstGeom prst="rect">
+            <a:avLst/>
+          </a:prstGeom>
+        </p:spPr>
+      </p:pic>
     </p:spTree>
     <p:extLst>
       <p:ext uri="{BB962C8B-B14F-4D97-AF65-F5344CB8AC3E}">
-        <p14:creationId xmlns:p14="http://schemas.microsoft.com/office/powerpoint/2010/main" val="3312977075"/>
+        <p14:creationId xmlns:p14="http://schemas.microsoft.com/office/powerpoint/2010/main" val="601231188"/>
       </p:ext>
     </p:extLst>
   </p:cSld>
@@ -3538,89 +3547,98 @@
           <a:chExt cx="0" cy="0"/>
         </a:xfrm>
       </p:grpSpPr>
-      <p:pic>
-        <p:nvPicPr>
-          <p:cNvPr id="5" name="内容占位符 4">
-            <a:extLst>
-              <a:ext uri="{FF2B5EF4-FFF2-40B4-BE49-F238E27FC236}">
-                <a16:creationId xmlns:a16="http://schemas.microsoft.com/office/drawing/2014/main" id="{F09F7272-96ED-457F-BC54-8A2D631DF1BB}"/>
-              </a:ext>
-            </a:extLst>
-          </p:cNvPr>
-          <p:cNvPicPr>
-            <a:picLocks noGrp="1" noChangeAspect="1"/>
-          </p:cNvPicPr>
+      <p:sp>
+        <p:nvSpPr>
+          <p:cNvPr id="2" name="标题 1">
+            <a:extLst>
+              <a:ext uri="{FF2B5EF4-FFF2-40B4-BE49-F238E27FC236}">
+                <a16:creationId xmlns:a16="http://schemas.microsoft.com/office/drawing/2014/main" id="{18BA10E4-57A4-4513-85A5-503A9B64074F}"/>
+              </a:ext>
+            </a:extLst>
+          </p:cNvPr>
+          <p:cNvSpPr>
+            <a:spLocks noGrp="1"/>
+          </p:cNvSpPr>
+          <p:nvPr>
+            <p:ph type="title"/>
+          </p:nvPr>
+        </p:nvSpPr>
+        <p:spPr/>
+        <p:txBody>
+          <a:bodyPr/>
+          <a:lstStyle/>
+          <a:p>
+            <a:r>
+              <a:rPr lang="en-US" altLang="zh-CN" dirty="0"/>
+              <a:t>AOF</a:t>
+            </a:r>
+            <a:endParaRPr lang="zh-CN" altLang="en-US" dirty="0"/>
+          </a:p>
+        </p:txBody>
+      </p:sp>
+      <p:sp>
+        <p:nvSpPr>
+          <p:cNvPr id="3" name="内容占位符 2">
+            <a:extLst>
+              <a:ext uri="{FF2B5EF4-FFF2-40B4-BE49-F238E27FC236}">
+                <a16:creationId xmlns:a16="http://schemas.microsoft.com/office/drawing/2014/main" id="{69990199-DF7A-41B1-B98F-50C98581BCA8}"/>
+              </a:ext>
+            </a:extLst>
+          </p:cNvPr>
+          <p:cNvSpPr>
+            <a:spLocks noGrp="1"/>
+          </p:cNvSpPr>
           <p:nvPr>
             <p:ph idx="1"/>
           </p:nvPr>
-        </p:nvPicPr>
-        <p:blipFill>
-          <a:blip r:embed="rId2">
-            <a:extLst>
-              <a:ext uri="{28A0092B-C50C-407E-A947-70E740481C1C}">
-                <a14:useLocalDpi xmlns:a14="http://schemas.microsoft.com/office/drawing/2010/main" val="0"/>
-              </a:ext>
-            </a:extLst>
-          </a:blip>
-          <a:stretch>
-            <a:fillRect/>
-          </a:stretch>
-        </p:blipFill>
-        <p:spPr>
-          <a:xfrm>
-            <a:off x="736112" y="681873"/>
-            <a:ext cx="10535291" cy="5494254"/>
-          </a:xfrm>
-        </p:spPr>
-      </p:pic>
-      <p:sp>
-        <p:nvSpPr>
-          <p:cNvPr id="2" name="标题 1">
-            <a:extLst>
-              <a:ext uri="{FF2B5EF4-FFF2-40B4-BE49-F238E27FC236}">
-                <a16:creationId xmlns:a16="http://schemas.microsoft.com/office/drawing/2014/main" id="{CB30B82B-F12B-4FF5-BD30-E4D5A3069AA5}"/>
-              </a:ext>
-            </a:extLst>
-          </p:cNvPr>
-          <p:cNvSpPr>
-            <a:spLocks noGrp="1"/>
-          </p:cNvSpPr>
-          <p:nvPr>
-            <p:ph type="title"/>
-          </p:nvPr>
-        </p:nvSpPr>
-        <p:spPr>
-          <a:xfrm>
-            <a:off x="1439779" y="4046789"/>
-            <a:ext cx="4563979" cy="1319296"/>
-          </a:xfrm>
-        </p:spPr>
-        <p:txBody>
-          <a:bodyPr>
-            <a:normAutofit/>
-          </a:bodyPr>
-          <a:lstStyle/>
-          <a:p>
-            <a:r>
-              <a:rPr lang="en-US" altLang="zh-CN" sz="4800" b="1" dirty="0">
-                <a:solidFill>
-                  <a:schemeClr val="bg1"/>
-                </a:solidFill>
-              </a:rPr>
-              <a:t>AOF</a:t>
-            </a:r>
-            <a:endParaRPr lang="zh-CN" altLang="en-US" sz="4800" b="1" dirty="0">
-              <a:solidFill>
-                <a:schemeClr val="bg1"/>
-              </a:solidFill>
-            </a:endParaRPr>
+        </p:nvSpPr>
+        <p:spPr/>
+        <p:txBody>
+          <a:bodyPr/>
+          <a:lstStyle/>
+          <a:p>
+            <a:r>
+              <a:rPr lang="zh-CN" altLang="en-US" dirty="0"/>
+              <a:t>将每条指令写入</a:t>
+            </a:r>
+            <a:r>
+              <a:rPr lang="en-US" altLang="zh-CN" dirty="0"/>
+              <a:t>log.txt</a:t>
+            </a:r>
+            <a:r>
+              <a:rPr lang="zh-CN" altLang="en-US" dirty="0"/>
+              <a:t>（仅主节点）</a:t>
+            </a:r>
+            <a:endParaRPr lang="en-US" altLang="zh-CN" dirty="0"/>
+          </a:p>
+          <a:p>
+            <a:r>
+              <a:rPr lang="zh-CN" altLang="en-US" dirty="0"/>
+              <a:t>启动</a:t>
+            </a:r>
+            <a:r>
+              <a:rPr lang="en-US" altLang="zh-CN" dirty="0"/>
+              <a:t>server</a:t>
+            </a:r>
+            <a:r>
+              <a:rPr lang="zh-CN" altLang="en-US" dirty="0"/>
+              <a:t>时从</a:t>
+            </a:r>
+            <a:r>
+              <a:rPr lang="en-US" altLang="zh-CN" dirty="0"/>
+              <a:t>log.txt</a:t>
+            </a:r>
+            <a:r>
+              <a:rPr lang="zh-CN" altLang="en-US" dirty="0"/>
+              <a:t>读取指令进行恢复</a:t>
+            </a:r>
           </a:p>
         </p:txBody>
       </p:sp>
     </p:spTree>
     <p:extLst>
       <p:ext uri="{BB962C8B-B14F-4D97-AF65-F5344CB8AC3E}">
-        <p14:creationId xmlns:p14="http://schemas.microsoft.com/office/powerpoint/2010/main" val="3659861547"/>
+        <p14:creationId xmlns:p14="http://schemas.microsoft.com/office/powerpoint/2010/main" val="3312977075"/>
       </p:ext>
     </p:extLst>
   </p:cSld>
@@ -3647,128 +3665,21 @@
           <a:chExt cx="0" cy="0"/>
         </a:xfrm>
       </p:grpSpPr>
-      <p:sp>
-        <p:nvSpPr>
-          <p:cNvPr id="2" name="标题 1">
-            <a:extLst>
-              <a:ext uri="{FF2B5EF4-FFF2-40B4-BE49-F238E27FC236}">
-                <a16:creationId xmlns:a16="http://schemas.microsoft.com/office/drawing/2014/main" id="{434CA148-00CF-41A0-90E1-70A146A209A4}"/>
-              </a:ext>
-            </a:extLst>
-          </p:cNvPr>
-          <p:cNvSpPr>
-            <a:spLocks noGrp="1"/>
-          </p:cNvSpPr>
-          <p:nvPr>
-            <p:ph type="title"/>
-          </p:nvPr>
-        </p:nvSpPr>
-        <p:spPr/>
-        <p:txBody>
-          <a:bodyPr/>
-          <a:lstStyle/>
-          <a:p>
-            <a:r>
-              <a:rPr lang="zh-CN" altLang="en-US" dirty="0"/>
-              <a:t>主从</a:t>
-            </a:r>
-          </a:p>
-        </p:txBody>
-      </p:sp>
-      <p:sp>
-        <p:nvSpPr>
-          <p:cNvPr id="3" name="内容占位符 2">
-            <a:extLst>
-              <a:ext uri="{FF2B5EF4-FFF2-40B4-BE49-F238E27FC236}">
-                <a16:creationId xmlns:a16="http://schemas.microsoft.com/office/drawing/2014/main" id="{DC45A7D5-15F5-4E1B-96DC-2234252E26C7}"/>
-              </a:ext>
-            </a:extLst>
-          </p:cNvPr>
-          <p:cNvSpPr>
-            <a:spLocks noGrp="1"/>
-          </p:cNvSpPr>
-          <p:nvPr>
-            <p:ph idx="1"/>
-          </p:nvPr>
-        </p:nvSpPr>
-        <p:spPr/>
-        <p:txBody>
-          <a:bodyPr/>
-          <a:lstStyle/>
-          <a:p>
-            <a:r>
-              <a:rPr lang="zh-CN" altLang="en-US" dirty="0"/>
-              <a:t>通过命令行参数确定为主</a:t>
-            </a:r>
-            <a:r>
-              <a:rPr lang="en-US" altLang="zh-CN" dirty="0"/>
-              <a:t>/</a:t>
-            </a:r>
-            <a:r>
-              <a:rPr lang="zh-CN" altLang="en-US" dirty="0"/>
-              <a:t>从节点</a:t>
-            </a:r>
-            <a:endParaRPr lang="en-US" altLang="zh-CN" dirty="0"/>
-          </a:p>
-          <a:p>
-            <a:r>
-              <a:rPr lang="zh-CN" altLang="en-US" dirty="0"/>
-              <a:t>从节点启动时，向其对应的主节点发送</a:t>
-            </a:r>
-            <a:r>
-              <a:rPr lang="en-US" altLang="zh-CN" dirty="0"/>
-              <a:t>slave</a:t>
-            </a:r>
-            <a:r>
-              <a:rPr lang="zh-CN" altLang="en-US" dirty="0"/>
-              <a:t>指令，确定联系</a:t>
-            </a:r>
-            <a:endParaRPr lang="en-US" altLang="zh-CN" dirty="0"/>
-          </a:p>
-          <a:p>
-            <a:r>
-              <a:rPr lang="zh-CN" altLang="en-US" dirty="0"/>
-              <a:t>执行脚本</a:t>
-            </a:r>
-            <a:r>
-              <a:rPr lang="en-US" altLang="zh-CN" dirty="0"/>
-              <a:t>servers.sh</a:t>
-            </a:r>
-            <a:r>
-              <a:rPr lang="zh-CN" altLang="en-US" dirty="0"/>
-              <a:t>时从配置文件</a:t>
-            </a:r>
-            <a:r>
-              <a:rPr lang="en-US" altLang="zh-CN" dirty="0"/>
-              <a:t>setting.txt</a:t>
-            </a:r>
-            <a:r>
-              <a:rPr lang="zh-CN" altLang="en-US" dirty="0"/>
-              <a:t>中确定主从节点</a:t>
-            </a:r>
-            <a:r>
-              <a:rPr lang="en-US" altLang="zh-CN" dirty="0"/>
-              <a:t>/proxy</a:t>
-            </a:r>
-          </a:p>
-          <a:p>
-            <a:endParaRPr lang="zh-CN" altLang="en-US" dirty="0"/>
-          </a:p>
-        </p:txBody>
-      </p:sp>
       <p:pic>
         <p:nvPicPr>
-          <p:cNvPr id="5" name="图片 4">
-            <a:extLst>
-              <a:ext uri="{FF2B5EF4-FFF2-40B4-BE49-F238E27FC236}">
-                <a16:creationId xmlns:a16="http://schemas.microsoft.com/office/drawing/2014/main" id="{F18E0941-86F1-420C-9F9B-F5A5CD5A1F3E}"/>
+          <p:cNvPr id="5" name="内容占位符 4">
+            <a:extLst>
+              <a:ext uri="{FF2B5EF4-FFF2-40B4-BE49-F238E27FC236}">
+                <a16:creationId xmlns:a16="http://schemas.microsoft.com/office/drawing/2014/main" id="{F09F7272-96ED-457F-BC54-8A2D631DF1BB}"/>
               </a:ext>
             </a:extLst>
           </p:cNvPr>
           <p:cNvPicPr>
-            <a:picLocks noChangeAspect="1"/>
+            <a:picLocks noGrp="1" noChangeAspect="1"/>
           </p:cNvPicPr>
-          <p:nvPr/>
+          <p:nvPr>
+            <p:ph idx="1"/>
+          </p:nvPr>
         </p:nvPicPr>
         <p:blipFill>
           <a:blip r:embed="rId2">
@@ -3784,54 +3695,59 @@
         </p:blipFill>
         <p:spPr>
           <a:xfrm>
-            <a:off x="1131130" y="3471905"/>
-            <a:ext cx="9592856" cy="739148"/>
+            <a:off x="736112" y="681873"/>
+            <a:ext cx="10535291" cy="5494254"/>
           </a:xfrm>
-          <a:prstGeom prst="rect">
-            <a:avLst/>
-          </a:prstGeom>
         </p:spPr>
       </p:pic>
-      <p:pic>
-        <p:nvPicPr>
-          <p:cNvPr id="7" name="图片 6">
-            <a:extLst>
-              <a:ext uri="{FF2B5EF4-FFF2-40B4-BE49-F238E27FC236}">
-                <a16:creationId xmlns:a16="http://schemas.microsoft.com/office/drawing/2014/main" id="{91574283-EE26-463B-9E5F-DBE74A1EC545}"/>
-              </a:ext>
-            </a:extLst>
-          </p:cNvPr>
-          <p:cNvPicPr>
-            <a:picLocks noChangeAspect="1"/>
-          </p:cNvPicPr>
-          <p:nvPr/>
-        </p:nvPicPr>
-        <p:blipFill>
-          <a:blip r:embed="rId3">
-            <a:extLst>
-              <a:ext uri="{28A0092B-C50C-407E-A947-70E740481C1C}">
-                <a14:useLocalDpi xmlns:a14="http://schemas.microsoft.com/office/drawing/2010/main" val="0"/>
-              </a:ext>
-            </a:extLst>
-          </a:blip>
-          <a:stretch>
-            <a:fillRect/>
-          </a:stretch>
-        </p:blipFill>
+      <p:sp>
+        <p:nvSpPr>
+          <p:cNvPr id="2" name="标题 1">
+            <a:extLst>
+              <a:ext uri="{FF2B5EF4-FFF2-40B4-BE49-F238E27FC236}">
+                <a16:creationId xmlns:a16="http://schemas.microsoft.com/office/drawing/2014/main" id="{CB30B82B-F12B-4FF5-BD30-E4D5A3069AA5}"/>
+              </a:ext>
+            </a:extLst>
+          </p:cNvPr>
+          <p:cNvSpPr>
+            <a:spLocks noGrp="1"/>
+          </p:cNvSpPr>
+          <p:nvPr>
+            <p:ph type="title"/>
+          </p:nvPr>
+        </p:nvSpPr>
         <p:spPr>
           <a:xfrm>
-            <a:off x="1131130" y="4256206"/>
-            <a:ext cx="5438112" cy="2055694"/>
+            <a:off x="1439779" y="4046789"/>
+            <a:ext cx="4563979" cy="1319296"/>
           </a:xfrm>
-          <a:prstGeom prst="rect">
-            <a:avLst/>
-          </a:prstGeom>
         </p:spPr>
-      </p:pic>
+        <p:txBody>
+          <a:bodyPr>
+            <a:normAutofit/>
+          </a:bodyPr>
+          <a:lstStyle/>
+          <a:p>
+            <a:r>
+              <a:rPr lang="en-US" altLang="zh-CN" sz="4800" b="1" dirty="0">
+                <a:solidFill>
+                  <a:schemeClr val="bg1"/>
+                </a:solidFill>
+              </a:rPr>
+              <a:t>AOF</a:t>
+            </a:r>
+            <a:endParaRPr lang="zh-CN" altLang="en-US" sz="4800" b="1" dirty="0">
+              <a:solidFill>
+                <a:schemeClr val="bg1"/>
+              </a:solidFill>
+            </a:endParaRPr>
+          </a:p>
+        </p:txBody>
+      </p:sp>
     </p:spTree>
     <p:extLst>
       <p:ext uri="{BB962C8B-B14F-4D97-AF65-F5344CB8AC3E}">
-        <p14:creationId xmlns:p14="http://schemas.microsoft.com/office/powerpoint/2010/main" val="3511004515"/>
+        <p14:creationId xmlns:p14="http://schemas.microsoft.com/office/powerpoint/2010/main" val="3659861547"/>
       </p:ext>
     </p:extLst>
   </p:cSld>
@@ -3858,21 +3774,128 @@
           <a:chExt cx="0" cy="0"/>
         </a:xfrm>
       </p:grpSpPr>
+      <p:sp>
+        <p:nvSpPr>
+          <p:cNvPr id="2" name="标题 1">
+            <a:extLst>
+              <a:ext uri="{FF2B5EF4-FFF2-40B4-BE49-F238E27FC236}">
+                <a16:creationId xmlns:a16="http://schemas.microsoft.com/office/drawing/2014/main" id="{434CA148-00CF-41A0-90E1-70A146A209A4}"/>
+              </a:ext>
+            </a:extLst>
+          </p:cNvPr>
+          <p:cNvSpPr>
+            <a:spLocks noGrp="1"/>
+          </p:cNvSpPr>
+          <p:nvPr>
+            <p:ph type="title"/>
+          </p:nvPr>
+        </p:nvSpPr>
+        <p:spPr/>
+        <p:txBody>
+          <a:bodyPr/>
+          <a:lstStyle/>
+          <a:p>
+            <a:r>
+              <a:rPr lang="zh-CN" altLang="en-US" dirty="0"/>
+              <a:t>主从</a:t>
+            </a:r>
+          </a:p>
+        </p:txBody>
+      </p:sp>
+      <p:sp>
+        <p:nvSpPr>
+          <p:cNvPr id="3" name="内容占位符 2">
+            <a:extLst>
+              <a:ext uri="{FF2B5EF4-FFF2-40B4-BE49-F238E27FC236}">
+                <a16:creationId xmlns:a16="http://schemas.microsoft.com/office/drawing/2014/main" id="{DC45A7D5-15F5-4E1B-96DC-2234252E26C7}"/>
+              </a:ext>
+            </a:extLst>
+          </p:cNvPr>
+          <p:cNvSpPr>
+            <a:spLocks noGrp="1"/>
+          </p:cNvSpPr>
+          <p:nvPr>
+            <p:ph idx="1"/>
+          </p:nvPr>
+        </p:nvSpPr>
+        <p:spPr/>
+        <p:txBody>
+          <a:bodyPr/>
+          <a:lstStyle/>
+          <a:p>
+            <a:r>
+              <a:rPr lang="zh-CN" altLang="en-US" dirty="0"/>
+              <a:t>通过命令行参数确定为主</a:t>
+            </a:r>
+            <a:r>
+              <a:rPr lang="en-US" altLang="zh-CN" dirty="0"/>
+              <a:t>/</a:t>
+            </a:r>
+            <a:r>
+              <a:rPr lang="zh-CN" altLang="en-US" dirty="0"/>
+              <a:t>从节点</a:t>
+            </a:r>
+            <a:endParaRPr lang="en-US" altLang="zh-CN" dirty="0"/>
+          </a:p>
+          <a:p>
+            <a:r>
+              <a:rPr lang="zh-CN" altLang="en-US" dirty="0"/>
+              <a:t>从节点启动时，向其对应的主节点发送</a:t>
+            </a:r>
+            <a:r>
+              <a:rPr lang="en-US" altLang="zh-CN" dirty="0"/>
+              <a:t>slave</a:t>
+            </a:r>
+            <a:r>
+              <a:rPr lang="zh-CN" altLang="en-US" dirty="0"/>
+              <a:t>指令，确定联系</a:t>
+            </a:r>
+            <a:endParaRPr lang="en-US" altLang="zh-CN" dirty="0"/>
+          </a:p>
+          <a:p>
+            <a:r>
+              <a:rPr lang="zh-CN" altLang="en-US" dirty="0"/>
+              <a:t>执行脚本</a:t>
+            </a:r>
+            <a:r>
+              <a:rPr lang="en-US" altLang="zh-CN" dirty="0"/>
+              <a:t>servers.sh</a:t>
+            </a:r>
+            <a:r>
+              <a:rPr lang="zh-CN" altLang="en-US" dirty="0"/>
+              <a:t>时从配置文件</a:t>
+            </a:r>
+            <a:r>
+              <a:rPr lang="en-US" altLang="zh-CN" dirty="0"/>
+              <a:t>setting.txt</a:t>
+            </a:r>
+            <a:r>
+              <a:rPr lang="zh-CN" altLang="en-US" dirty="0"/>
+              <a:t>中确定主从节点</a:t>
+            </a:r>
+            <a:r>
+              <a:rPr lang="en-US" altLang="zh-CN" dirty="0"/>
+              <a:t>/proxy</a:t>
+            </a:r>
+          </a:p>
+          <a:p>
+            <a:endParaRPr lang="zh-CN" altLang="en-US" dirty="0"/>
+          </a:p>
+        </p:txBody>
+      </p:sp>
       <p:pic>
         <p:nvPicPr>
-          <p:cNvPr id="5" name="内容占位符 4">
-            <a:extLst>
-              <a:ext uri="{FF2B5EF4-FFF2-40B4-BE49-F238E27FC236}">
-                <a16:creationId xmlns:a16="http://schemas.microsoft.com/office/drawing/2014/main" id="{2C889AB1-ADF1-46F0-8EFD-B09821E4DEAB}"/>
+          <p:cNvPr id="5" name="图片 4">
+            <a:extLst>
+              <a:ext uri="{FF2B5EF4-FFF2-40B4-BE49-F238E27FC236}">
+                <a16:creationId xmlns:a16="http://schemas.microsoft.com/office/drawing/2014/main" id="{F18E0941-86F1-420C-9F9B-F5A5CD5A1F3E}"/>
               </a:ext>
             </a:extLst>
           </p:cNvPr>
           <p:cNvPicPr>
-            <a:picLocks noGrp="1" noChangeAspect="1"/>
+            <a:picLocks noChangeAspect="1"/>
           </p:cNvPicPr>
-          <p:nvPr>
-            <p:ph idx="1"/>
-          </p:nvPr>
+          <p:nvPr/>
         </p:nvPicPr>
         <p:blipFill>
           <a:blip r:embed="rId2">
@@ -3888,52 +3911,18 @@
         </p:blipFill>
         <p:spPr>
           <a:xfrm>
-            <a:off x="1185110" y="365125"/>
-            <a:ext cx="9821779" cy="6234871"/>
+            <a:off x="1131130" y="3471905"/>
+            <a:ext cx="9592856" cy="739148"/>
           </a:xfrm>
+          <a:prstGeom prst="rect">
+            <a:avLst/>
+          </a:prstGeom>
         </p:spPr>
       </p:pic>
-      <p:sp>
-        <p:nvSpPr>
-          <p:cNvPr id="2" name="标题 1">
-            <a:extLst>
-              <a:ext uri="{FF2B5EF4-FFF2-40B4-BE49-F238E27FC236}">
-                <a16:creationId xmlns:a16="http://schemas.microsoft.com/office/drawing/2014/main" id="{FAF507A5-A9D8-4EBB-8861-172E282FB17E}"/>
-              </a:ext>
-            </a:extLst>
-          </p:cNvPr>
-          <p:cNvSpPr>
-            <a:spLocks noGrp="1"/>
-          </p:cNvSpPr>
-          <p:nvPr>
-            <p:ph type="title"/>
-          </p:nvPr>
-        </p:nvSpPr>
-        <p:spPr>
-          <a:xfrm>
-            <a:off x="7900737" y="5261979"/>
-            <a:ext cx="1796716" cy="1042570"/>
-          </a:xfrm>
-        </p:spPr>
-        <p:txBody>
-          <a:bodyPr/>
-          <a:lstStyle/>
-          <a:p>
-            <a:r>
-              <a:rPr lang="zh-CN" altLang="en-US" dirty="0">
-                <a:solidFill>
-                  <a:schemeClr val="bg1"/>
-                </a:solidFill>
-              </a:rPr>
-              <a:t>主从</a:t>
-            </a:r>
-          </a:p>
-        </p:txBody>
-      </p:sp>
     </p:spTree>
     <p:extLst>
       <p:ext uri="{BB962C8B-B14F-4D97-AF65-F5344CB8AC3E}">
-        <p14:creationId xmlns:p14="http://schemas.microsoft.com/office/powerpoint/2010/main" val="1797235285"/>
+        <p14:creationId xmlns:p14="http://schemas.microsoft.com/office/powerpoint/2010/main" val="3511004515"/>
       </p:ext>
     </p:extLst>
   </p:cSld>
@@ -3960,6 +3949,108 @@
           <a:chExt cx="0" cy="0"/>
         </a:xfrm>
       </p:grpSpPr>
+      <p:pic>
+        <p:nvPicPr>
+          <p:cNvPr id="5" name="内容占位符 4">
+            <a:extLst>
+              <a:ext uri="{FF2B5EF4-FFF2-40B4-BE49-F238E27FC236}">
+                <a16:creationId xmlns:a16="http://schemas.microsoft.com/office/drawing/2014/main" id="{2C889AB1-ADF1-46F0-8EFD-B09821E4DEAB}"/>
+              </a:ext>
+            </a:extLst>
+          </p:cNvPr>
+          <p:cNvPicPr>
+            <a:picLocks noGrp="1" noChangeAspect="1"/>
+          </p:cNvPicPr>
+          <p:nvPr>
+            <p:ph idx="1"/>
+          </p:nvPr>
+        </p:nvPicPr>
+        <p:blipFill>
+          <a:blip r:embed="rId2">
+            <a:extLst>
+              <a:ext uri="{28A0092B-C50C-407E-A947-70E740481C1C}">
+                <a14:useLocalDpi xmlns:a14="http://schemas.microsoft.com/office/drawing/2010/main" val="0"/>
+              </a:ext>
+            </a:extLst>
+          </a:blip>
+          <a:stretch>
+            <a:fillRect/>
+          </a:stretch>
+        </p:blipFill>
+        <p:spPr>
+          <a:xfrm>
+            <a:off x="1185110" y="365125"/>
+            <a:ext cx="9821779" cy="6234871"/>
+          </a:xfrm>
+        </p:spPr>
+      </p:pic>
+      <p:sp>
+        <p:nvSpPr>
+          <p:cNvPr id="2" name="标题 1">
+            <a:extLst>
+              <a:ext uri="{FF2B5EF4-FFF2-40B4-BE49-F238E27FC236}">
+                <a16:creationId xmlns:a16="http://schemas.microsoft.com/office/drawing/2014/main" id="{FAF507A5-A9D8-4EBB-8861-172E282FB17E}"/>
+              </a:ext>
+            </a:extLst>
+          </p:cNvPr>
+          <p:cNvSpPr>
+            <a:spLocks noGrp="1"/>
+          </p:cNvSpPr>
+          <p:nvPr>
+            <p:ph type="title"/>
+          </p:nvPr>
+        </p:nvSpPr>
+        <p:spPr>
+          <a:xfrm>
+            <a:off x="7900737" y="5261979"/>
+            <a:ext cx="1796716" cy="1042570"/>
+          </a:xfrm>
+        </p:spPr>
+        <p:txBody>
+          <a:bodyPr/>
+          <a:lstStyle/>
+          <a:p>
+            <a:r>
+              <a:rPr lang="zh-CN" altLang="en-US" dirty="0">
+                <a:solidFill>
+                  <a:schemeClr val="bg1"/>
+                </a:solidFill>
+              </a:rPr>
+              <a:t>主从</a:t>
+            </a:r>
+          </a:p>
+        </p:txBody>
+      </p:sp>
+    </p:spTree>
+    <p:extLst>
+      <p:ext uri="{BB962C8B-B14F-4D97-AF65-F5344CB8AC3E}">
+        <p14:creationId xmlns:p14="http://schemas.microsoft.com/office/powerpoint/2010/main" val="1797235285"/>
+      </p:ext>
+    </p:extLst>
+  </p:cSld>
+  <p:clrMapOvr>
+    <a:masterClrMapping/>
+  </p:clrMapOvr>
+</p:sld>
+</file>
+
+<file path=ppt/slides/slide7.xml><?xml version="1.0" encoding="utf-8"?>
+<p:sld xmlns:a="http://schemas.openxmlformats.org/drawingml/2006/main" xmlns:r="http://schemas.openxmlformats.org/officeDocument/2006/relationships" xmlns:p="http://schemas.openxmlformats.org/presentationml/2006/main">
+  <p:cSld>
+    <p:spTree>
+      <p:nvGrpSpPr>
+        <p:cNvPr id="1" name=""/>
+        <p:cNvGrpSpPr/>
+        <p:nvPr/>
+      </p:nvGrpSpPr>
+      <p:grpSpPr>
+        <a:xfrm>
+          <a:off x="0" y="0"/>
+          <a:ext cx="0" cy="0"/>
+          <a:chOff x="0" y="0"/>
+          <a:chExt cx="0" cy="0"/>
+        </a:xfrm>
+      </p:grpSpPr>
       <p:sp>
         <p:nvSpPr>
           <p:cNvPr id="2" name="标题 1">
@@ -4038,7 +4129,7 @@
 </p:sld>
 </file>
 
-<file path=ppt/slides/slide7.xml><?xml version="1.0" encoding="utf-8"?>
+<file path=ppt/slides/slide8.xml><?xml version="1.0" encoding="utf-8"?>
 <p:sld xmlns:a="http://schemas.openxmlformats.org/drawingml/2006/main" xmlns:r="http://schemas.openxmlformats.org/officeDocument/2006/relationships" xmlns:p="http://schemas.openxmlformats.org/presentationml/2006/main">
   <p:cSld>
     <p:spTree>
